--- a/Document/Funciton-Point.pptx
+++ b/Document/Funciton-Point.pptx
@@ -44,7 +44,9 @@
     <p:sldId id="292" r:id="rId38"/>
     <p:sldId id="297" r:id="rId39"/>
     <p:sldId id="293" r:id="rId40"/>
-    <p:sldId id="294" r:id="rId41"/>
+    <p:sldId id="298" r:id="rId41"/>
+    <p:sldId id="299" r:id="rId42"/>
+    <p:sldId id="294" r:id="rId43"/>
   </p:sldIdLst>
   <p:sldSz cx="12192000" cy="6858000"/>
   <p:notesSz cx="6858000" cy="9144000"/>
@@ -483,7 +485,7 @@
             <a:fld id="{B61BEF0D-F0BB-DE4B-95CE-6DB70DBA9567}" type="datetimeFigureOut">
               <a:rPr lang="en-US" dirty="0"/>
               <a:pPr/>
-              <a:t>4/16/2018</a:t>
+              <a:t>4/20/2018</a:t>
             </a:fld>
             <a:endParaRPr lang="en-US" dirty="0"/>
           </a:p>
@@ -804,7 +806,7 @@
             <a:fld id="{B61BEF0D-F0BB-DE4B-95CE-6DB70DBA9567}" type="datetimeFigureOut">
               <a:rPr lang="en-US" dirty="0"/>
               <a:pPr/>
-              <a:t>4/16/2018</a:t>
+              <a:t>4/20/2018</a:t>
             </a:fld>
             <a:endParaRPr lang="en-US" dirty="0"/>
           </a:p>
@@ -1049,7 +1051,7 @@
             <a:fld id="{B61BEF0D-F0BB-DE4B-95CE-6DB70DBA9567}" type="datetimeFigureOut">
               <a:rPr lang="en-US" dirty="0"/>
               <a:pPr/>
-              <a:t>4/16/2018</a:t>
+              <a:t>4/20/2018</a:t>
             </a:fld>
             <a:endParaRPr lang="en-US" dirty="0"/>
           </a:p>
@@ -1385,7 +1387,7 @@
             <a:fld id="{B61BEF0D-F0BB-DE4B-95CE-6DB70DBA9567}" type="datetimeFigureOut">
               <a:rPr lang="en-US" dirty="0"/>
               <a:pPr/>
-              <a:t>4/16/2018</a:t>
+              <a:t>4/20/2018</a:t>
             </a:fld>
             <a:endParaRPr lang="en-US" dirty="0"/>
           </a:p>
@@ -1729,7 +1731,7 @@
             <a:fld id="{B61BEF0D-F0BB-DE4B-95CE-6DB70DBA9567}" type="datetimeFigureOut">
               <a:rPr lang="en-US" dirty="0"/>
               <a:pPr/>
-              <a:t>4/16/2018</a:t>
+              <a:t>4/20/2018</a:t>
             </a:fld>
             <a:endParaRPr lang="en-US" dirty="0"/>
           </a:p>
@@ -2100,7 +2102,7 @@
             <a:fld id="{B61BEF0D-F0BB-DE4B-95CE-6DB70DBA9567}" type="datetimeFigureOut">
               <a:rPr lang="en-US" dirty="0"/>
               <a:pPr/>
-              <a:t>4/16/2018</a:t>
+              <a:t>4/20/2018</a:t>
             </a:fld>
             <a:endParaRPr lang="en-US" dirty="0"/>
           </a:p>
@@ -2567,7 +2569,7 @@
             <a:fld id="{B61BEF0D-F0BB-DE4B-95CE-6DB70DBA9567}" type="datetimeFigureOut">
               <a:rPr lang="en-US" dirty="0"/>
               <a:pPr/>
-              <a:t>4/16/2018</a:t>
+              <a:t>4/20/2018</a:t>
             </a:fld>
             <a:endParaRPr lang="en-US" dirty="0"/>
           </a:p>
@@ -2769,7 +2771,7 @@
             <a:fld id="{B61BEF0D-F0BB-DE4B-95CE-6DB70DBA9567}" type="datetimeFigureOut">
               <a:rPr lang="en-US" dirty="0"/>
               <a:pPr/>
-              <a:t>4/16/2018</a:t>
+              <a:t>4/20/2018</a:t>
             </a:fld>
             <a:endParaRPr lang="en-US" dirty="0"/>
           </a:p>
@@ -2977,7 +2979,7 @@
             <a:fld id="{B61BEF0D-F0BB-DE4B-95CE-6DB70DBA9567}" type="datetimeFigureOut">
               <a:rPr lang="en-US" dirty="0"/>
               <a:pPr/>
-              <a:t>4/16/2018</a:t>
+              <a:t>4/20/2018</a:t>
             </a:fld>
             <a:endParaRPr lang="en-US" dirty="0"/>
           </a:p>
@@ -3205,7 +3207,7 @@
           <a:p>
             <a:fld id="{52647F38-B617-4D2F-AE0A-013F0C4D2C57}" type="datetimeFigureOut">
               <a:rPr lang="en-US" dirty="0"/>
-              <a:t>4/16/2018</a:t>
+              <a:t>4/20/2018</a:t>
             </a:fld>
             <a:endParaRPr lang="en-US" dirty="0"/>
           </a:p>
@@ -3449,7 +3451,7 @@
             <a:fld id="{B61BEF0D-F0BB-DE4B-95CE-6DB70DBA9567}" type="datetimeFigureOut">
               <a:rPr lang="en-US" dirty="0"/>
               <a:pPr/>
-              <a:t>4/16/2018</a:t>
+              <a:t>4/20/2018</a:t>
             </a:fld>
             <a:endParaRPr lang="en-US" dirty="0"/>
           </a:p>
@@ -3743,7 +3745,7 @@
           <a:p>
             <a:fld id="{05BFA754-D5C3-4E66-96A6-867B257F58DC}" type="datetimeFigureOut">
               <a:rPr lang="en-US" dirty="0"/>
-              <a:t>4/16/2018</a:t>
+              <a:t>4/20/2018</a:t>
             </a:fld>
             <a:endParaRPr lang="en-US" dirty="0"/>
           </a:p>
@@ -4133,7 +4135,7 @@
             <a:fld id="{B61BEF0D-F0BB-DE4B-95CE-6DB70DBA9567}" type="datetimeFigureOut">
               <a:rPr lang="en-US" dirty="0"/>
               <a:pPr/>
-              <a:t>4/16/2018</a:t>
+              <a:t>4/20/2018</a:t>
             </a:fld>
             <a:endParaRPr lang="en-US" dirty="0"/>
           </a:p>
@@ -4279,7 +4281,7 @@
             <a:fld id="{B61BEF0D-F0BB-DE4B-95CE-6DB70DBA9567}" type="datetimeFigureOut">
               <a:rPr lang="en-US" dirty="0"/>
               <a:pPr/>
-              <a:t>4/16/2018</a:t>
+              <a:t>4/20/2018</a:t>
             </a:fld>
             <a:endParaRPr lang="en-US" dirty="0"/>
           </a:p>
@@ -4402,7 +4404,7 @@
             <a:fld id="{B61BEF0D-F0BB-DE4B-95CE-6DB70DBA9567}" type="datetimeFigureOut">
               <a:rPr lang="en-US" dirty="0"/>
               <a:pPr/>
-              <a:t>4/16/2018</a:t>
+              <a:t>4/20/2018</a:t>
             </a:fld>
             <a:endParaRPr lang="en-US" dirty="0"/>
           </a:p>
@@ -4654,7 +4656,7 @@
             <a:fld id="{B61BEF0D-F0BB-DE4B-95CE-6DB70DBA9567}" type="datetimeFigureOut">
               <a:rPr lang="en-US" dirty="0"/>
               <a:pPr/>
-              <a:t>4/16/2018</a:t>
+              <a:t>4/20/2018</a:t>
             </a:fld>
             <a:endParaRPr lang="en-US" dirty="0"/>
           </a:p>
@@ -4966,7 +4968,7 @@
             <a:fld id="{B61BEF0D-F0BB-DE4B-95CE-6DB70DBA9567}" type="datetimeFigureOut">
               <a:rPr lang="en-US" dirty="0"/>
               <a:pPr/>
-              <a:t>4/16/2018</a:t>
+              <a:t>4/20/2018</a:t>
             </a:fld>
             <a:endParaRPr lang="en-US" dirty="0"/>
           </a:p>
@@ -5314,7 +5316,7 @@
             <a:fld id="{B61BEF0D-F0BB-DE4B-95CE-6DB70DBA9567}" type="datetimeFigureOut">
               <a:rPr lang="en-US" dirty="0"/>
               <a:pPr/>
-              <a:t>4/16/2018</a:t>
+              <a:t>4/20/2018</a:t>
             </a:fld>
             <a:endParaRPr lang="en-US" dirty="0"/>
           </a:p>
@@ -18306,8 +18308,8 @@
           </a:p>
         </p:txBody>
       </p:sp>
-      <mc:AlternateContent xmlns:mc="http://schemas.openxmlformats.org/markup-compatibility/2006" xmlns:a14="http://schemas.microsoft.com/office/drawing/2010/main">
-        <mc:Choice Requires="a14">
+      <mc:AlternateContent xmlns:mc="http://schemas.openxmlformats.org/markup-compatibility/2006">
+        <mc:Choice xmlns:a14="http://schemas.microsoft.com/office/drawing/2010/main" Requires="a14">
           <p:sp>
             <p:nvSpPr>
               <p:cNvPr id="3" name="Content Placeholder 2">
@@ -18327,7 +18329,7 @@
             <p:spPr/>
             <p:txBody>
               <a:bodyPr>
-                <a:normAutofit lnSpcReduction="10000"/>
+                <a:normAutofit fontScale="92500"/>
               </a:bodyPr>
               <a:lstStyle/>
               <a:p>
@@ -18572,14 +18574,6 @@
                 </a:r>
                 <a:r>
                   <a:rPr lang="en-US" sz="2800" dirty="0" err="1"/>
-                  <a:t>cột</a:t>
-                </a:r>
-                <a:r>
-                  <a:rPr lang="en-US" sz="2800" dirty="0"/>
-                  <a:t> </a:t>
-                </a:r>
-                <a:r>
-                  <a:rPr lang="en-US" sz="2800" dirty="0" err="1"/>
                   <a:t>của</a:t>
                 </a:r>
                 <a:r>
@@ -18592,7 +18586,67 @@
                 </a:r>
                 <a:r>
                   <a:rPr lang="en-US" sz="2800" dirty="0"/>
-                  <a:t> 1.</a:t>
+                  <a:t> </a:t>
+                </a:r>
+                <a:r>
+                  <a:rPr lang="en-US" sz="2800" dirty="0" err="1"/>
+                  <a:t>đếm</a:t>
+                </a:r>
+                <a:r>
+                  <a:rPr lang="en-US" sz="2800" dirty="0"/>
+                  <a:t> </a:t>
+                </a:r>
+                <a:r>
+                  <a:rPr lang="en-US" sz="2800" dirty="0" err="1"/>
+                  <a:t>chức</a:t>
+                </a:r>
+                <a:r>
+                  <a:rPr lang="en-US" sz="2800" dirty="0"/>
+                  <a:t> </a:t>
+                </a:r>
+                <a:r>
+                  <a:rPr lang="en-US" sz="2800" dirty="0" err="1"/>
+                  <a:t>năng</a:t>
+                </a:r>
+                <a:r>
+                  <a:rPr lang="en-US" sz="2800" dirty="0"/>
+                  <a:t> t</a:t>
+                </a:r>
+                <a:r>
+                  <a:rPr lang="vi-VN" sz="2800" dirty="0"/>
+                  <a:t>ư</a:t>
+                </a:r>
+                <a:r>
+                  <a:rPr lang="en-US" sz="2800" dirty="0" err="1"/>
+                  <a:t>ơng</a:t>
+                </a:r>
+                <a:r>
+                  <a:rPr lang="en-US" sz="2800" dirty="0"/>
+                  <a:t> </a:t>
+                </a:r>
+                <a:r>
+                  <a:rPr lang="en-US" sz="2800" dirty="0" err="1"/>
+                  <a:t>ứng</a:t>
+                </a:r>
+                <a:r>
+                  <a:rPr lang="en-US" sz="2800" dirty="0"/>
+                  <a:t> </a:t>
+                </a:r>
+                <a:r>
+                  <a:rPr lang="en-US" sz="2800" dirty="0" err="1"/>
+                  <a:t>với</a:t>
+                </a:r>
+                <a:r>
+                  <a:rPr lang="en-US" sz="2800" dirty="0"/>
+                  <a:t> </a:t>
+                </a:r>
+                <a:r>
+                  <a:rPr lang="en-US" sz="2800" dirty="0" err="1"/>
+                  <a:t>các</a:t>
+                </a:r>
+                <a:r>
+                  <a:rPr lang="en-US" sz="2800" dirty="0"/>
+                  <a:t> transaction.</a:t>
                 </a:r>
               </a:p>
               <a:p>
@@ -18860,7 +18914,7 @@
             </p:txBody>
           </p:sp>
         </mc:Choice>
-        <mc:Fallback xmlns="">
+        <mc:Fallback>
           <p:sp>
             <p:nvSpPr>
               <p:cNvPr id="3" name="Content Placeholder 2">
@@ -18881,7 +18935,7 @@
               <a:blipFill>
                 <a:blip r:embed="rId2"/>
                 <a:stretch>
-                  <a:fillRect l="-1525" t="-3853" r="-1588"/>
+                  <a:fillRect l="-1271" t="-2202"/>
                 </a:stretch>
               </a:blipFill>
             </p:spPr>
@@ -19679,6 +19733,320 @@
               <a:rPr lang="en-US" dirty="0"/>
               <a:t> </a:t>
             </a:r>
+          </a:p>
+          <a:p>
+            <a:pPr marL="0" indent="0">
+              <a:buNone/>
+            </a:pPr>
+            <a:r>
+              <a:rPr lang="en-US" dirty="0" err="1"/>
+              <a:t>Trong</a:t>
+            </a:r>
+            <a:r>
+              <a:rPr lang="en-US" dirty="0"/>
+              <a:t> </a:t>
+            </a:r>
+            <a:r>
+              <a:rPr lang="en-US" dirty="0" err="1"/>
+              <a:t>đó</a:t>
+            </a:r>
+            <a:r>
+              <a:rPr lang="en-US" dirty="0"/>
+              <a:t>: </a:t>
+            </a:r>
+          </a:p>
+          <a:p>
+            <a:pPr>
+              <a:buFontTx/>
+              <a:buChar char="-"/>
+            </a:pPr>
+            <a:r>
+              <a:rPr lang="en-US" dirty="0"/>
+              <a:t>UAF </a:t>
+            </a:r>
+            <a:r>
+              <a:rPr lang="en-US" dirty="0" err="1"/>
+              <a:t>là</a:t>
+            </a:r>
+            <a:r>
+              <a:rPr lang="en-US" dirty="0"/>
+              <a:t> </a:t>
+            </a:r>
+            <a:r>
+              <a:rPr lang="en-US" dirty="0" err="1"/>
+              <a:t>giá</a:t>
+            </a:r>
+            <a:r>
+              <a:rPr lang="en-US" dirty="0"/>
+              <a:t> </a:t>
+            </a:r>
+            <a:r>
+              <a:rPr lang="en-US" dirty="0" err="1"/>
+              <a:t>trị</a:t>
+            </a:r>
+            <a:r>
+              <a:rPr lang="en-US" dirty="0"/>
+              <a:t> </a:t>
+            </a:r>
+            <a:r>
+              <a:rPr lang="en-US" dirty="0" err="1"/>
+              <a:t>của</a:t>
+            </a:r>
+            <a:r>
+              <a:rPr lang="en-US" dirty="0"/>
+              <a:t> function point </a:t>
+            </a:r>
+            <a:r>
+              <a:rPr lang="en-US" dirty="0" err="1"/>
+              <a:t>thô</a:t>
+            </a:r>
+            <a:r>
+              <a:rPr lang="en-US" dirty="0"/>
+              <a:t> (đ</a:t>
+            </a:r>
+            <a:r>
+              <a:rPr lang="vi-VN" dirty="0"/>
+              <a:t>ư</a:t>
+            </a:r>
+            <a:r>
+              <a:rPr lang="en-US" dirty="0" err="1"/>
+              <a:t>ợc</a:t>
+            </a:r>
+            <a:r>
+              <a:rPr lang="en-US" dirty="0"/>
+              <a:t> </a:t>
+            </a:r>
+            <a:r>
+              <a:rPr lang="en-US" dirty="0" err="1"/>
+              <a:t>tính</a:t>
+            </a:r>
+            <a:r>
+              <a:rPr lang="en-US" dirty="0"/>
+              <a:t> </a:t>
+            </a:r>
+            <a:r>
+              <a:rPr lang="en-US" dirty="0" err="1"/>
+              <a:t>trên</a:t>
+            </a:r>
+            <a:r>
+              <a:rPr lang="en-US" dirty="0"/>
+              <a:t> </a:t>
+            </a:r>
+            <a:r>
+              <a:rPr lang="en-US" dirty="0" err="1"/>
+              <a:t>số</a:t>
+            </a:r>
+            <a:r>
+              <a:rPr lang="en-US" dirty="0"/>
+              <a:t> l</a:t>
+            </a:r>
+            <a:r>
+              <a:rPr lang="vi-VN" dirty="0"/>
+              <a:t>ư</a:t>
+            </a:r>
+            <a:r>
+              <a:rPr lang="en-US" dirty="0" err="1"/>
+              <a:t>ợng</a:t>
+            </a:r>
+            <a:r>
+              <a:rPr lang="en-US" dirty="0"/>
+              <a:t> </a:t>
+            </a:r>
+            <a:r>
+              <a:rPr lang="en-US" dirty="0" err="1"/>
+              <a:t>chức</a:t>
+            </a:r>
+            <a:r>
+              <a:rPr lang="en-US" dirty="0"/>
+              <a:t> </a:t>
+            </a:r>
+            <a:r>
+              <a:rPr lang="en-US" dirty="0" err="1"/>
+              <a:t>năng</a:t>
+            </a:r>
+            <a:r>
+              <a:rPr lang="en-US" dirty="0"/>
+              <a:t> </a:t>
+            </a:r>
+            <a:r>
+              <a:rPr lang="en-US" dirty="0" err="1"/>
+              <a:t>mà</a:t>
+            </a:r>
+            <a:r>
+              <a:rPr lang="en-US" dirty="0"/>
+              <a:t> ng</a:t>
+            </a:r>
+            <a:r>
+              <a:rPr lang="vi-VN" dirty="0"/>
+              <a:t>ư</a:t>
+            </a:r>
+            <a:r>
+              <a:rPr lang="en-US" dirty="0" err="1"/>
+              <a:t>ời</a:t>
+            </a:r>
+            <a:r>
+              <a:rPr lang="en-US" dirty="0"/>
+              <a:t> </a:t>
+            </a:r>
+            <a:r>
+              <a:rPr lang="en-US" dirty="0" err="1"/>
+              <a:t>dùng</a:t>
+            </a:r>
+            <a:r>
+              <a:rPr lang="en-US" dirty="0"/>
+              <a:t> </a:t>
+            </a:r>
+            <a:r>
+              <a:rPr lang="en-US" dirty="0" err="1"/>
+              <a:t>yêu</a:t>
+            </a:r>
+            <a:r>
+              <a:rPr lang="en-US" dirty="0"/>
+              <a:t> </a:t>
+            </a:r>
+            <a:r>
+              <a:rPr lang="en-US" dirty="0" err="1"/>
+              <a:t>cầu</a:t>
+            </a:r>
+            <a:r>
+              <a:rPr lang="en-US" dirty="0"/>
+              <a:t>).</a:t>
+            </a:r>
+          </a:p>
+          <a:p>
+            <a:pPr>
+              <a:buFontTx/>
+              <a:buChar char="-"/>
+            </a:pPr>
+            <a:r>
+              <a:rPr lang="en-US" dirty="0"/>
+              <a:t>VAF </a:t>
+            </a:r>
+            <a:r>
+              <a:rPr lang="en-US" dirty="0" err="1"/>
+              <a:t>là</a:t>
+            </a:r>
+            <a:r>
+              <a:rPr lang="en-US" dirty="0"/>
+              <a:t> </a:t>
+            </a:r>
+            <a:r>
+              <a:rPr lang="en-US" dirty="0" err="1"/>
+              <a:t>chỉ</a:t>
+            </a:r>
+            <a:r>
+              <a:rPr lang="en-US" dirty="0"/>
+              <a:t> </a:t>
+            </a:r>
+            <a:r>
+              <a:rPr lang="en-US" dirty="0" err="1"/>
+              <a:t>số</a:t>
+            </a:r>
+            <a:r>
+              <a:rPr lang="en-US" dirty="0"/>
+              <a:t> </a:t>
+            </a:r>
+            <a:r>
+              <a:rPr lang="en-US" dirty="0" err="1"/>
+              <a:t>để</a:t>
+            </a:r>
+            <a:r>
+              <a:rPr lang="en-US" dirty="0"/>
+              <a:t> </a:t>
+            </a:r>
+            <a:r>
+              <a:rPr lang="en-US" dirty="0" err="1"/>
+              <a:t>đánh</a:t>
+            </a:r>
+            <a:r>
+              <a:rPr lang="en-US" dirty="0"/>
+              <a:t> </a:t>
+            </a:r>
+            <a:r>
+              <a:rPr lang="en-US" dirty="0" err="1"/>
+              <a:t>giá</a:t>
+            </a:r>
+            <a:r>
+              <a:rPr lang="en-US" dirty="0"/>
+              <a:t> </a:t>
+            </a:r>
+            <a:r>
+              <a:rPr lang="en-US" dirty="0" err="1"/>
+              <a:t>chức</a:t>
+            </a:r>
+            <a:r>
+              <a:rPr lang="en-US" dirty="0"/>
+              <a:t> </a:t>
+            </a:r>
+            <a:r>
+              <a:rPr lang="en-US" dirty="0" err="1"/>
+              <a:t>năng</a:t>
+            </a:r>
+            <a:r>
+              <a:rPr lang="en-US" dirty="0"/>
+              <a:t> </a:t>
+            </a:r>
+            <a:r>
+              <a:rPr lang="en-US" dirty="0" err="1"/>
+              <a:t>chung</a:t>
+            </a:r>
+            <a:r>
+              <a:rPr lang="en-US" dirty="0"/>
+              <a:t> </a:t>
+            </a:r>
+            <a:r>
+              <a:rPr lang="en-US" dirty="0" err="1"/>
+              <a:t>của</a:t>
+            </a:r>
+            <a:r>
+              <a:rPr lang="en-US" dirty="0"/>
+              <a:t> </a:t>
+            </a:r>
+            <a:r>
+              <a:rPr lang="en-US" dirty="0" err="1"/>
+              <a:t>ứng</a:t>
+            </a:r>
+            <a:r>
+              <a:rPr lang="en-US" dirty="0"/>
+              <a:t> </a:t>
+            </a:r>
+            <a:r>
+              <a:rPr lang="en-US" dirty="0" err="1"/>
+              <a:t>dụng</a:t>
+            </a:r>
+            <a:r>
+              <a:rPr lang="en-US" dirty="0"/>
+              <a:t> </a:t>
+            </a:r>
+            <a:r>
+              <a:rPr lang="en-US" dirty="0" err="1"/>
+              <a:t>đang</a:t>
+            </a:r>
+            <a:r>
+              <a:rPr lang="en-US" dirty="0"/>
+              <a:t> </a:t>
+            </a:r>
+            <a:r>
+              <a:rPr lang="en-US" dirty="0" err="1"/>
+              <a:t>xử</a:t>
+            </a:r>
+            <a:r>
+              <a:rPr lang="en-US" dirty="0"/>
+              <a:t> </a:t>
+            </a:r>
+            <a:r>
+              <a:rPr lang="en-US" dirty="0" err="1"/>
+              <a:t>lí</a:t>
+            </a:r>
+            <a:r>
+              <a:rPr lang="en-US" dirty="0"/>
+              <a:t>.</a:t>
+            </a:r>
+          </a:p>
+          <a:p>
+            <a:pPr marL="0" indent="0">
+              <a:buNone/>
+            </a:pPr>
             <a:br>
               <a:rPr lang="en-US" dirty="0"/>
             </a:br>
@@ -21266,6 +21634,1032 @@
       </p:grpSpPr>
       <p:sp>
         <p:nvSpPr>
+          <p:cNvPr id="3" name="Content Placeholder 2">
+            <a:extLst>
+              <a:ext uri="{FF2B5EF4-FFF2-40B4-BE49-F238E27FC236}">
+                <a16:creationId xmlns:a16="http://schemas.microsoft.com/office/drawing/2014/main" id="{DFECCB1C-11DA-4B90-A110-B7B1F9110088}"/>
+              </a:ext>
+            </a:extLst>
+          </p:cNvPr>
+          <p:cNvSpPr>
+            <a:spLocks noGrp="1"/>
+          </p:cNvSpPr>
+          <p:nvPr>
+            <p:ph idx="1"/>
+          </p:nvPr>
+        </p:nvSpPr>
+        <p:spPr>
+          <a:xfrm>
+            <a:off x="1295401" y="767751"/>
+            <a:ext cx="9601196" cy="5108117"/>
+          </a:xfrm>
+        </p:spPr>
+        <p:txBody>
+          <a:bodyPr/>
+          <a:lstStyle/>
+          <a:p>
+            <a:r>
+              <a:rPr lang="en-US" dirty="0" err="1"/>
+              <a:t>Ví</a:t>
+            </a:r>
+            <a:r>
+              <a:rPr lang="en-US" dirty="0"/>
+              <a:t> </a:t>
+            </a:r>
+            <a:r>
+              <a:rPr lang="en-US" dirty="0" err="1"/>
+              <a:t>dụ</a:t>
+            </a:r>
+            <a:r>
+              <a:rPr lang="en-US" dirty="0"/>
+              <a:t>:</a:t>
+            </a:r>
+          </a:p>
+          <a:p>
+            <a:pPr marL="0" indent="0">
+              <a:buNone/>
+            </a:pPr>
+            <a:r>
+              <a:rPr lang="en-US" dirty="0" err="1"/>
+              <a:t>Khảo</a:t>
+            </a:r>
+            <a:r>
+              <a:rPr lang="en-US" dirty="0"/>
+              <a:t> </a:t>
+            </a:r>
+            <a:r>
+              <a:rPr lang="en-US" dirty="0" err="1"/>
+              <a:t>sát</a:t>
+            </a:r>
+            <a:r>
+              <a:rPr lang="en-US" dirty="0"/>
+              <a:t> </a:t>
+            </a:r>
+            <a:r>
+              <a:rPr lang="en-US" dirty="0" err="1"/>
+              <a:t>dự</a:t>
+            </a:r>
+            <a:r>
+              <a:rPr lang="en-US" dirty="0"/>
+              <a:t> </a:t>
+            </a:r>
+            <a:r>
+              <a:rPr lang="en-US" dirty="0" err="1"/>
+              <a:t>án</a:t>
+            </a:r>
+            <a:r>
+              <a:rPr lang="en-US" dirty="0"/>
+              <a:t> </a:t>
+            </a:r>
+            <a:r>
+              <a:rPr lang="en-US" dirty="0" err="1"/>
+              <a:t>với</a:t>
+            </a:r>
+            <a:r>
+              <a:rPr lang="en-US" dirty="0"/>
+              <a:t> </a:t>
+            </a:r>
+            <a:r>
+              <a:rPr lang="en-US" dirty="0" err="1"/>
+              <a:t>các</a:t>
+            </a:r>
+            <a:r>
+              <a:rPr lang="en-US" dirty="0"/>
+              <a:t> đ</a:t>
+            </a:r>
+            <a:r>
+              <a:rPr lang="vi-VN" dirty="0"/>
+              <a:t>ơ</a:t>
+            </a:r>
+            <a:r>
+              <a:rPr lang="en-US" dirty="0"/>
+              <a:t>n </a:t>
+            </a:r>
+            <a:r>
+              <a:rPr lang="en-US" dirty="0" err="1"/>
+              <a:t>vị</a:t>
+            </a:r>
+            <a:r>
+              <a:rPr lang="en-US" dirty="0"/>
+              <a:t> </a:t>
+            </a:r>
+            <a:r>
+              <a:rPr lang="en-US" dirty="0" err="1"/>
+              <a:t>chức</a:t>
+            </a:r>
+            <a:r>
+              <a:rPr lang="en-US" dirty="0"/>
+              <a:t> </a:t>
+            </a:r>
+            <a:r>
+              <a:rPr lang="en-US" dirty="0" err="1"/>
+              <a:t>năng</a:t>
+            </a:r>
+            <a:r>
+              <a:rPr lang="en-US" dirty="0"/>
+              <a:t> </a:t>
+            </a:r>
+            <a:r>
+              <a:rPr lang="en-US" dirty="0" err="1"/>
+              <a:t>nh</a:t>
+            </a:r>
+            <a:r>
+              <a:rPr lang="vi-VN" dirty="0"/>
+              <a:t>ư</a:t>
+            </a:r>
+            <a:r>
+              <a:rPr lang="en-US" dirty="0"/>
+              <a:t> </a:t>
+            </a:r>
+            <a:r>
+              <a:rPr lang="en-US" dirty="0" err="1"/>
+              <a:t>sau</a:t>
+            </a:r>
+            <a:r>
+              <a:rPr lang="en-US" dirty="0"/>
+              <a:t>:</a:t>
+            </a:r>
+          </a:p>
+          <a:p>
+            <a:pPr>
+              <a:buFontTx/>
+              <a:buChar char="-"/>
+            </a:pPr>
+            <a:r>
+              <a:rPr lang="en-US" dirty="0" err="1"/>
+              <a:t>Số</a:t>
+            </a:r>
+            <a:r>
+              <a:rPr lang="en-US" dirty="0"/>
+              <a:t> l</a:t>
+            </a:r>
+            <a:r>
+              <a:rPr lang="vi-VN" dirty="0"/>
+              <a:t>ư</a:t>
+            </a:r>
+            <a:r>
+              <a:rPr lang="en-US" dirty="0" err="1"/>
+              <a:t>ợng</a:t>
+            </a:r>
+            <a:r>
+              <a:rPr lang="en-US" dirty="0"/>
+              <a:t> input (EI): 40</a:t>
+            </a:r>
+          </a:p>
+          <a:p>
+            <a:pPr>
+              <a:buFontTx/>
+              <a:buChar char="-"/>
+            </a:pPr>
+            <a:r>
+              <a:rPr lang="en-US" dirty="0" err="1"/>
+              <a:t>Số</a:t>
+            </a:r>
+            <a:r>
+              <a:rPr lang="en-US" dirty="0"/>
+              <a:t> l</a:t>
+            </a:r>
+            <a:r>
+              <a:rPr lang="vi-VN" dirty="0"/>
+              <a:t>ư</a:t>
+            </a:r>
+            <a:r>
+              <a:rPr lang="en-US" dirty="0" err="1"/>
+              <a:t>ợng</a:t>
+            </a:r>
+            <a:r>
+              <a:rPr lang="en-US" dirty="0"/>
+              <a:t> output (EO): 25</a:t>
+            </a:r>
+          </a:p>
+          <a:p>
+            <a:pPr>
+              <a:buFontTx/>
+              <a:buChar char="-"/>
+            </a:pPr>
+            <a:r>
+              <a:rPr lang="en-US" dirty="0" err="1"/>
+              <a:t>Số</a:t>
+            </a:r>
+            <a:r>
+              <a:rPr lang="en-US" dirty="0"/>
+              <a:t> l</a:t>
+            </a:r>
+            <a:r>
+              <a:rPr lang="vi-VN" dirty="0"/>
+              <a:t>ư</a:t>
+            </a:r>
+            <a:r>
+              <a:rPr lang="en-US" dirty="0" err="1"/>
+              <a:t>ợng</a:t>
+            </a:r>
+            <a:r>
+              <a:rPr lang="en-US" dirty="0"/>
+              <a:t> </a:t>
+            </a:r>
+            <a:r>
+              <a:rPr lang="en-US" dirty="0" err="1"/>
+              <a:t>yêu</a:t>
+            </a:r>
+            <a:r>
+              <a:rPr lang="en-US" dirty="0"/>
+              <a:t> </a:t>
+            </a:r>
+            <a:r>
+              <a:rPr lang="en-US" dirty="0" err="1"/>
+              <a:t>cầu</a:t>
+            </a:r>
+            <a:r>
+              <a:rPr lang="en-US" dirty="0"/>
+              <a:t> ng</a:t>
+            </a:r>
+            <a:r>
+              <a:rPr lang="vi-VN" dirty="0"/>
+              <a:t>ư</a:t>
+            </a:r>
+            <a:r>
+              <a:rPr lang="en-US" dirty="0" err="1"/>
+              <a:t>ời</a:t>
+            </a:r>
+            <a:r>
+              <a:rPr lang="en-US" dirty="0"/>
+              <a:t> </a:t>
+            </a:r>
+            <a:r>
+              <a:rPr lang="en-US" dirty="0" err="1"/>
+              <a:t>dùng</a:t>
+            </a:r>
+            <a:r>
+              <a:rPr lang="en-US" dirty="0"/>
+              <a:t> (EQ): 30</a:t>
+            </a:r>
+          </a:p>
+          <a:p>
+            <a:pPr>
+              <a:buFontTx/>
+              <a:buChar char="-"/>
+            </a:pPr>
+            <a:r>
+              <a:rPr lang="en-US" dirty="0" err="1"/>
+              <a:t>Số</a:t>
+            </a:r>
+            <a:r>
+              <a:rPr lang="en-US" dirty="0"/>
+              <a:t> </a:t>
+            </a:r>
+            <a:r>
+              <a:rPr lang="en-US" dirty="0" err="1"/>
+              <a:t>dữ</a:t>
+            </a:r>
+            <a:r>
+              <a:rPr lang="en-US" dirty="0"/>
+              <a:t> </a:t>
+            </a:r>
+            <a:r>
+              <a:rPr lang="en-US" dirty="0" err="1"/>
+              <a:t>liệu</a:t>
+            </a:r>
+            <a:r>
+              <a:rPr lang="en-US" dirty="0"/>
+              <a:t> l</a:t>
+            </a:r>
+            <a:r>
+              <a:rPr lang="vi-VN" dirty="0"/>
+              <a:t>ư</a:t>
+            </a:r>
+            <a:r>
+              <a:rPr lang="en-US" dirty="0"/>
+              <a:t>u </a:t>
+            </a:r>
+            <a:r>
+              <a:rPr lang="en-US" dirty="0" err="1"/>
+              <a:t>trong</a:t>
+            </a:r>
+            <a:r>
+              <a:rPr lang="en-US" dirty="0"/>
+              <a:t> </a:t>
+            </a:r>
+            <a:r>
+              <a:rPr lang="en-US" dirty="0" err="1"/>
+              <a:t>ứng</a:t>
+            </a:r>
+            <a:r>
+              <a:rPr lang="en-US" dirty="0"/>
+              <a:t> </a:t>
+            </a:r>
+            <a:r>
+              <a:rPr lang="en-US" dirty="0" err="1"/>
+              <a:t>dụng</a:t>
+            </a:r>
+            <a:r>
+              <a:rPr lang="en-US" dirty="0"/>
+              <a:t>: 05</a:t>
+            </a:r>
+          </a:p>
+          <a:p>
+            <a:pPr>
+              <a:buFontTx/>
+              <a:buChar char="-"/>
+            </a:pPr>
+            <a:r>
+              <a:rPr lang="en-US" dirty="0" err="1"/>
+              <a:t>Số</a:t>
+            </a:r>
+            <a:r>
+              <a:rPr lang="en-US" dirty="0"/>
+              <a:t> </a:t>
+            </a:r>
+            <a:r>
+              <a:rPr lang="en-US" dirty="0" err="1"/>
+              <a:t>dữ</a:t>
+            </a:r>
+            <a:r>
+              <a:rPr lang="en-US" dirty="0"/>
+              <a:t> </a:t>
+            </a:r>
+            <a:r>
+              <a:rPr lang="en-US" dirty="0" err="1"/>
+              <a:t>liệu</a:t>
+            </a:r>
+            <a:r>
+              <a:rPr lang="en-US" dirty="0"/>
+              <a:t> đ</a:t>
+            </a:r>
+            <a:r>
+              <a:rPr lang="vi-VN" dirty="0"/>
+              <a:t>ư</a:t>
+            </a:r>
+            <a:r>
+              <a:rPr lang="en-US" dirty="0" err="1"/>
+              <a:t>ợc</a:t>
+            </a:r>
+            <a:r>
+              <a:rPr lang="en-US" dirty="0"/>
+              <a:t> l</a:t>
+            </a:r>
+            <a:r>
+              <a:rPr lang="vi-VN" dirty="0"/>
+              <a:t>ư</a:t>
+            </a:r>
+            <a:r>
+              <a:rPr lang="en-US" dirty="0"/>
+              <a:t>u </a:t>
+            </a:r>
+            <a:r>
+              <a:rPr lang="en-US" dirty="0" err="1"/>
+              <a:t>bên</a:t>
+            </a:r>
+            <a:r>
+              <a:rPr lang="en-US" dirty="0"/>
+              <a:t> </a:t>
+            </a:r>
+            <a:r>
+              <a:rPr lang="en-US" dirty="0" err="1"/>
+              <a:t>ngoài</a:t>
+            </a:r>
+            <a:r>
+              <a:rPr lang="en-US" dirty="0"/>
+              <a:t>: 03</a:t>
+            </a:r>
+          </a:p>
+          <a:p>
+            <a:pPr>
+              <a:buFontTx/>
+              <a:buChar char="-"/>
+            </a:pPr>
+            <a:r>
+              <a:rPr lang="en-US" dirty="0" err="1"/>
+              <a:t>Giả</a:t>
+            </a:r>
+            <a:r>
+              <a:rPr lang="en-US" dirty="0"/>
+              <a:t> </a:t>
+            </a:r>
+            <a:r>
+              <a:rPr lang="en-US" dirty="0" err="1"/>
+              <a:t>sử</a:t>
+            </a:r>
+            <a:r>
+              <a:rPr lang="en-US" dirty="0"/>
+              <a:t> </a:t>
+            </a:r>
+            <a:r>
+              <a:rPr lang="en-US" dirty="0" err="1"/>
+              <a:t>các</a:t>
+            </a:r>
+            <a:r>
+              <a:rPr lang="en-US" dirty="0"/>
+              <a:t> </a:t>
+            </a:r>
+            <a:r>
+              <a:rPr lang="en-US" dirty="0" err="1"/>
+              <a:t>yếu</a:t>
+            </a:r>
+            <a:r>
+              <a:rPr lang="en-US" dirty="0"/>
+              <a:t> </a:t>
+            </a:r>
+            <a:r>
+              <a:rPr lang="en-US" dirty="0" err="1"/>
+              <a:t>tố</a:t>
+            </a:r>
+            <a:r>
+              <a:rPr lang="en-US" dirty="0"/>
+              <a:t> </a:t>
+            </a:r>
+            <a:r>
+              <a:rPr lang="en-US" dirty="0" err="1"/>
+              <a:t>đều</a:t>
+            </a:r>
+            <a:r>
+              <a:rPr lang="en-US" dirty="0"/>
+              <a:t> </a:t>
+            </a:r>
+            <a:r>
+              <a:rPr lang="en-US" dirty="0" err="1"/>
+              <a:t>có</a:t>
+            </a:r>
+            <a:r>
+              <a:rPr lang="en-US" dirty="0"/>
+              <a:t> </a:t>
+            </a:r>
+            <a:r>
+              <a:rPr lang="en-US" dirty="0" err="1"/>
+              <a:t>mức</a:t>
+            </a:r>
+            <a:r>
+              <a:rPr lang="en-US" dirty="0"/>
+              <a:t> </a:t>
+            </a:r>
+            <a:r>
+              <a:rPr lang="en-US" dirty="0" err="1"/>
+              <a:t>độ</a:t>
+            </a:r>
+            <a:r>
+              <a:rPr lang="en-US" dirty="0"/>
+              <a:t> </a:t>
+            </a:r>
+            <a:r>
+              <a:rPr lang="en-US" b="1" dirty="0"/>
+              <a:t>high</a:t>
+            </a:r>
+            <a:r>
+              <a:rPr lang="en-US" dirty="0"/>
+              <a:t> </a:t>
+            </a:r>
+            <a:r>
+              <a:rPr lang="en-US" dirty="0" err="1"/>
+              <a:t>và</a:t>
+            </a:r>
+            <a:r>
+              <a:rPr lang="en-US" dirty="0"/>
+              <a:t> </a:t>
+            </a:r>
+            <a:r>
+              <a:rPr lang="en-US" dirty="0" err="1"/>
+              <a:t>thừa</a:t>
+            </a:r>
+            <a:r>
+              <a:rPr lang="en-US" dirty="0"/>
+              <a:t> </a:t>
+            </a:r>
+            <a:r>
+              <a:rPr lang="en-US" dirty="0" err="1"/>
+              <a:t>số</a:t>
+            </a:r>
+            <a:r>
+              <a:rPr lang="en-US" dirty="0"/>
+              <a:t> </a:t>
+            </a:r>
+            <a:r>
+              <a:rPr lang="en-US" dirty="0" err="1"/>
+              <a:t>trọng</a:t>
+            </a:r>
+            <a:r>
+              <a:rPr lang="en-US" dirty="0"/>
+              <a:t> </a:t>
+            </a:r>
+            <a:r>
+              <a:rPr lang="en-US" dirty="0" err="1"/>
+              <a:t>số</a:t>
+            </a:r>
+            <a:r>
+              <a:rPr lang="en-US" dirty="0"/>
+              <a:t> </a:t>
+            </a:r>
+            <a:r>
+              <a:rPr lang="en-US" dirty="0" err="1"/>
+              <a:t>đều</a:t>
+            </a:r>
+            <a:r>
+              <a:rPr lang="en-US" dirty="0"/>
+              <a:t> </a:t>
+            </a:r>
+            <a:r>
+              <a:rPr lang="en-US" dirty="0" err="1"/>
+              <a:t>có</a:t>
+            </a:r>
+            <a:r>
+              <a:rPr lang="en-US" dirty="0"/>
+              <a:t> </a:t>
+            </a:r>
+            <a:r>
+              <a:rPr lang="en-US" dirty="0" err="1"/>
+              <a:t>giá</a:t>
+            </a:r>
+            <a:r>
+              <a:rPr lang="en-US" dirty="0"/>
+              <a:t> </a:t>
+            </a:r>
+            <a:r>
+              <a:rPr lang="en-US" dirty="0" err="1"/>
+              <a:t>trị</a:t>
+            </a:r>
+            <a:r>
+              <a:rPr lang="en-US" dirty="0"/>
+              <a:t> </a:t>
+            </a:r>
+            <a:r>
+              <a:rPr lang="en-US" b="1" dirty="0" err="1"/>
+              <a:t>trung</a:t>
+            </a:r>
+            <a:r>
+              <a:rPr lang="en-US" b="1" dirty="0"/>
+              <a:t> </a:t>
+            </a:r>
+            <a:r>
+              <a:rPr lang="en-US" b="1" dirty="0" err="1"/>
+              <a:t>bình</a:t>
+            </a:r>
+            <a:r>
+              <a:rPr lang="en-US" b="1" dirty="0"/>
+              <a:t> </a:t>
+            </a:r>
+            <a:r>
+              <a:rPr lang="en-US" dirty="0"/>
+              <a:t>(</a:t>
+            </a:r>
+            <a:r>
+              <a:rPr lang="en-US" dirty="0" err="1"/>
+              <a:t>mức</a:t>
+            </a:r>
+            <a:r>
+              <a:rPr lang="en-US" dirty="0"/>
+              <a:t> </a:t>
+            </a:r>
+            <a:r>
+              <a:rPr lang="en-US" b="1" dirty="0"/>
+              <a:t>3/5</a:t>
+            </a:r>
+            <a:r>
+              <a:rPr lang="en-US" dirty="0"/>
+              <a:t>).</a:t>
+            </a:r>
+          </a:p>
+        </p:txBody>
+      </p:sp>
+    </p:spTree>
+    <p:extLst>
+      <p:ext uri="{BB962C8B-B14F-4D97-AF65-F5344CB8AC3E}">
+        <p14:creationId xmlns:p14="http://schemas.microsoft.com/office/powerpoint/2010/main" val="2913645111"/>
+      </p:ext>
+    </p:extLst>
+  </p:cSld>
+  <p:clrMapOvr>
+    <a:masterClrMapping/>
+  </p:clrMapOvr>
+</p:sld>
+</file>
+
+<file path=ppt/slides/slide41.xml><?xml version="1.0" encoding="utf-8"?>
+<p:sld xmlns:a="http://schemas.openxmlformats.org/drawingml/2006/main" xmlns:r="http://schemas.openxmlformats.org/officeDocument/2006/relationships" xmlns:p="http://schemas.openxmlformats.org/presentationml/2006/main">
+  <p:cSld>
+    <p:spTree>
+      <p:nvGrpSpPr>
+        <p:cNvPr id="1" name=""/>
+        <p:cNvGrpSpPr/>
+        <p:nvPr/>
+      </p:nvGrpSpPr>
+      <p:grpSpPr>
+        <a:xfrm>
+          <a:off x="0" y="0"/>
+          <a:ext cx="0" cy="0"/>
+          <a:chOff x="0" y="0"/>
+          <a:chExt cx="0" cy="0"/>
+        </a:xfrm>
+      </p:grpSpPr>
+      <mc:AlternateContent xmlns:mc="http://schemas.openxmlformats.org/markup-compatibility/2006">
+        <mc:Choice xmlns:a14="http://schemas.microsoft.com/office/drawing/2010/main" Requires="a14">
+          <p:sp>
+            <p:nvSpPr>
+              <p:cNvPr id="3" name="Content Placeholder 2">
+                <a:extLst>
+                  <a:ext uri="{FF2B5EF4-FFF2-40B4-BE49-F238E27FC236}">
+                    <a16:creationId xmlns:a16="http://schemas.microsoft.com/office/drawing/2014/main" id="{9E54BE08-77FA-4F45-A642-1414DC9A026F}"/>
+                  </a:ext>
+                </a:extLst>
+              </p:cNvPr>
+              <p:cNvSpPr>
+                <a:spLocks noGrp="1"/>
+              </p:cNvSpPr>
+              <p:nvPr>
+                <p:ph idx="1"/>
+              </p:nvPr>
+            </p:nvSpPr>
+            <p:spPr>
+              <a:xfrm>
+                <a:off x="1295401" y="681487"/>
+                <a:ext cx="9601196" cy="5194381"/>
+              </a:xfrm>
+            </p:spPr>
+            <p:txBody>
+              <a:bodyPr/>
+              <a:lstStyle/>
+              <a:p>
+                <a:r>
+                  <a:rPr lang="en-US" dirty="0"/>
+                  <a:t>Ta </a:t>
+                </a:r>
+                <a:r>
+                  <a:rPr lang="en-US" dirty="0" err="1"/>
+                  <a:t>có</a:t>
+                </a:r>
+                <a:r>
+                  <a:rPr lang="en-US" dirty="0"/>
+                  <a:t>: </a:t>
+                </a:r>
+              </a:p>
+              <a:p>
+                <a:pPr marL="914400" lvl="2" indent="0">
+                  <a:buNone/>
+                </a:pPr>
+                <a:r>
+                  <a:rPr lang="en-US" dirty="0"/>
+                  <a:t>UAF = </a:t>
+                </a:r>
+                <a14:m>
+                  <m:oMath xmlns:m="http://schemas.openxmlformats.org/officeDocument/2006/math">
+                    <m:nary>
+                      <m:naryPr>
+                        <m:chr m:val="∑"/>
+                        <m:ctrlPr>
+                          <a:rPr lang="en-US" i="1">
+                            <a:latin typeface="Cambria Math" panose="02040503050406030204" pitchFamily="18" charset="0"/>
+                          </a:rPr>
+                        </m:ctrlPr>
+                      </m:naryPr>
+                      <m:sub>
+                        <m:r>
+                          <m:rPr>
+                            <m:brk m:alnAt="23"/>
+                          </m:rPr>
+                          <a:rPr lang="en-US" i="1">
+                            <a:latin typeface="Cambria Math" panose="02040503050406030204" pitchFamily="18" charset="0"/>
+                          </a:rPr>
+                          <m:t>𝑖</m:t>
+                        </m:r>
+                        <m:r>
+                          <a:rPr lang="en-US" i="1">
+                            <a:latin typeface="Cambria Math" panose="02040503050406030204" pitchFamily="18" charset="0"/>
+                          </a:rPr>
+                          <m:t>=</m:t>
+                        </m:r>
+                        <m:r>
+                          <m:rPr>
+                            <m:brk m:alnAt="23"/>
+                          </m:rPr>
+                          <a:rPr lang="en-US" i="1">
+                            <a:latin typeface="Cambria Math" panose="02040503050406030204" pitchFamily="18" charset="0"/>
+                          </a:rPr>
+                          <m:t>1</m:t>
+                        </m:r>
+                      </m:sub>
+                      <m:sup>
+                        <m:r>
+                          <a:rPr lang="en-US" i="1">
+                            <a:latin typeface="Cambria Math" panose="02040503050406030204" pitchFamily="18" charset="0"/>
+                          </a:rPr>
+                          <m:t>5</m:t>
+                        </m:r>
+                      </m:sup>
+                      <m:e>
+                        <m:nary>
+                          <m:naryPr>
+                            <m:chr m:val="∑"/>
+                            <m:ctrlPr>
+                              <a:rPr lang="en-US" i="1">
+                                <a:latin typeface="Cambria Math" panose="02040503050406030204" pitchFamily="18" charset="0"/>
+                              </a:rPr>
+                            </m:ctrlPr>
+                          </m:naryPr>
+                          <m:sub>
+                            <m:r>
+                              <m:rPr>
+                                <m:brk m:alnAt="23"/>
+                              </m:rPr>
+                              <a:rPr lang="en-US" i="1">
+                                <a:latin typeface="Cambria Math" panose="02040503050406030204" pitchFamily="18" charset="0"/>
+                              </a:rPr>
+                              <m:t>1</m:t>
+                            </m:r>
+                          </m:sub>
+                          <m:sup>
+                            <m:r>
+                              <a:rPr lang="en-US" i="1">
+                                <a:latin typeface="Cambria Math" panose="02040503050406030204" pitchFamily="18" charset="0"/>
+                              </a:rPr>
+                              <m:t>3</m:t>
+                            </m:r>
+                          </m:sup>
+                          <m:e>
+                            <m:sSub>
+                              <m:sSubPr>
+                                <m:ctrlPr>
+                                  <a:rPr lang="en-US" i="1">
+                                    <a:latin typeface="Cambria Math" panose="02040503050406030204" pitchFamily="18" charset="0"/>
+                                  </a:rPr>
+                                </m:ctrlPr>
+                              </m:sSubPr>
+                              <m:e>
+                                <m:r>
+                                  <a:rPr lang="en-US" i="1">
+                                    <a:latin typeface="Cambria Math" panose="02040503050406030204" pitchFamily="18" charset="0"/>
+                                  </a:rPr>
+                                  <m:t>𝑍</m:t>
+                                </m:r>
+                              </m:e>
+                              <m:sub>
+                                <m:r>
+                                  <a:rPr lang="en-US" i="1">
+                                    <a:latin typeface="Cambria Math" panose="02040503050406030204" pitchFamily="18" charset="0"/>
+                                  </a:rPr>
+                                  <m:t>𝑖𝑗</m:t>
+                                </m:r>
+                              </m:sub>
+                            </m:sSub>
+                          </m:e>
+                        </m:nary>
+                      </m:e>
+                    </m:nary>
+                    <m:sSub>
+                      <m:sSubPr>
+                        <m:ctrlPr>
+                          <a:rPr lang="en-US" i="1">
+                            <a:latin typeface="Cambria Math" panose="02040503050406030204" pitchFamily="18" charset="0"/>
+                          </a:rPr>
+                        </m:ctrlPr>
+                      </m:sSubPr>
+                      <m:e>
+                        <m:r>
+                          <a:rPr lang="en-US" i="1">
+                            <a:latin typeface="Cambria Math" panose="02040503050406030204" pitchFamily="18" charset="0"/>
+                          </a:rPr>
+                          <m:t>𝑊</m:t>
+                        </m:r>
+                      </m:e>
+                      <m:sub>
+                        <m:r>
+                          <a:rPr lang="en-US" i="1">
+                            <a:latin typeface="Cambria Math" panose="02040503050406030204" pitchFamily="18" charset="0"/>
+                          </a:rPr>
+                          <m:t>𝑖𝑗</m:t>
+                        </m:r>
+                      </m:sub>
+                    </m:sSub>
+                  </m:oMath>
+                </a14:m>
+                <a:r>
+                  <a:rPr lang="en-US" dirty="0"/>
+                  <a:t> = 40*6 + 30*7 + 25*6 + 05*15 + 03 * 10 = 705</a:t>
+                </a:r>
+              </a:p>
+              <a:p>
+                <a:pPr marL="0" indent="0">
+                  <a:buNone/>
+                </a:pPr>
+                <a:r>
+                  <a:rPr lang="en-US" dirty="0"/>
+                  <a:t>		</a:t>
+                </a:r>
+                <a:r>
+                  <a:rPr lang="en-US" sz="1800" dirty="0"/>
+                  <a:t>VAF = </a:t>
+                </a:r>
+                <a14:m>
+                  <m:oMath xmlns:m="http://schemas.openxmlformats.org/officeDocument/2006/math">
+                    <m:d>
+                      <m:dPr>
+                        <m:begChr m:val="["/>
+                        <m:endChr m:val="]"/>
+                        <m:ctrlPr>
+                          <a:rPr lang="en-US" sz="1800" i="1">
+                            <a:latin typeface="Cambria Math" panose="02040503050406030204" pitchFamily="18" charset="0"/>
+                          </a:rPr>
+                        </m:ctrlPr>
+                      </m:dPr>
+                      <m:e>
+                        <m:r>
+                          <a:rPr lang="en-US" sz="1800" i="1">
+                            <a:latin typeface="Cambria Math" panose="02040503050406030204" pitchFamily="18" charset="0"/>
+                          </a:rPr>
+                          <m:t>0</m:t>
+                        </m:r>
+                        <m:r>
+                          <a:rPr lang="en-US" sz="1800" i="1">
+                            <a:latin typeface="Cambria Math" panose="02040503050406030204" pitchFamily="18" charset="0"/>
+                          </a:rPr>
+                          <m:t>.</m:t>
+                        </m:r>
+                        <m:r>
+                          <a:rPr lang="en-US" sz="1800" i="1">
+                            <a:latin typeface="Cambria Math" panose="02040503050406030204" pitchFamily="18" charset="0"/>
+                          </a:rPr>
+                          <m:t>65</m:t>
+                        </m:r>
+                        <m:r>
+                          <a:rPr lang="en-US" sz="1800" i="1">
+                            <a:latin typeface="Cambria Math" panose="02040503050406030204" pitchFamily="18" charset="0"/>
+                          </a:rPr>
+                          <m:t>+</m:t>
+                        </m:r>
+                        <m:r>
+                          <a:rPr lang="en-US" sz="1800" i="1">
+                            <a:latin typeface="Cambria Math" panose="02040503050406030204" pitchFamily="18" charset="0"/>
+                          </a:rPr>
+                          <m:t>0</m:t>
+                        </m:r>
+                        <m:r>
+                          <a:rPr lang="en-US" sz="1800" i="1">
+                            <a:latin typeface="Cambria Math" panose="02040503050406030204" pitchFamily="18" charset="0"/>
+                          </a:rPr>
+                          <m:t>.</m:t>
+                        </m:r>
+                        <m:r>
+                          <a:rPr lang="en-US" sz="1800" i="1">
+                            <a:latin typeface="Cambria Math" panose="02040503050406030204" pitchFamily="18" charset="0"/>
+                          </a:rPr>
+                          <m:t>01</m:t>
+                        </m:r>
+                        <m:nary>
+                          <m:naryPr>
+                            <m:chr m:val="∑"/>
+                            <m:subHide m:val="on"/>
+                            <m:supHide m:val="on"/>
+                            <m:ctrlPr>
+                              <a:rPr lang="en-US" sz="1800" i="1">
+                                <a:latin typeface="Cambria Math" panose="02040503050406030204" pitchFamily="18" charset="0"/>
+                              </a:rPr>
+                            </m:ctrlPr>
+                          </m:naryPr>
+                          <m:sub/>
+                          <m:sup/>
+                          <m:e>
+                            <m:sSub>
+                              <m:sSubPr>
+                                <m:ctrlPr>
+                                  <a:rPr lang="en-US" sz="1800" i="1">
+                                    <a:latin typeface="Cambria Math" panose="02040503050406030204" pitchFamily="18" charset="0"/>
+                                  </a:rPr>
+                                </m:ctrlPr>
+                              </m:sSubPr>
+                              <m:e>
+                                <m:r>
+                                  <a:rPr lang="en-US" sz="1800" i="1">
+                                    <a:latin typeface="Cambria Math" panose="02040503050406030204" pitchFamily="18" charset="0"/>
+                                  </a:rPr>
+                                  <m:t>𝐹</m:t>
+                                </m:r>
+                              </m:e>
+                              <m:sub>
+                                <m:r>
+                                  <a:rPr lang="en-US" sz="1800" i="1">
+                                    <a:latin typeface="Cambria Math" panose="02040503050406030204" pitchFamily="18" charset="0"/>
+                                  </a:rPr>
+                                  <m:t>𝑖</m:t>
+                                </m:r>
+                              </m:sub>
+                            </m:sSub>
+                          </m:e>
+                        </m:nary>
+                      </m:e>
+                    </m:d>
+                  </m:oMath>
+                </a14:m>
+                <a:r>
+                  <a:rPr lang="en-US" sz="1800" dirty="0"/>
+                  <a:t> = [0.65 + 0.01*(14*3)] = 1.07</a:t>
+                </a:r>
+              </a:p>
+              <a:p>
+                <a:pPr marL="0" indent="0">
+                  <a:buNone/>
+                </a:pPr>
+                <a:r>
+                  <a:rPr lang="en-US" sz="1800" b="1" dirty="0"/>
+                  <a:t>		FP = UAF * VAF = 1.07 * 705 = 755</a:t>
+                </a:r>
+                <a:endParaRPr lang="en-US" sz="1800" dirty="0"/>
+              </a:p>
+              <a:p>
+                <a:pPr marL="0" indent="0">
+                  <a:buNone/>
+                </a:pPr>
+                <a:endParaRPr lang="en-US" sz="1800" dirty="0"/>
+              </a:p>
+              <a:p>
+                <a:pPr marL="0" indent="0">
+                  <a:buNone/>
+                </a:pPr>
+                <a:r>
+                  <a:rPr lang="en-US" sz="1800" dirty="0"/>
+                  <a:t>	</a:t>
+                </a:r>
+              </a:p>
+              <a:p>
+                <a:pPr marL="914400" lvl="2" indent="0">
+                  <a:buNone/>
+                </a:pPr>
+                <a:endParaRPr lang="en-US" dirty="0"/>
+              </a:p>
+            </p:txBody>
+          </p:sp>
+        </mc:Choice>
+        <mc:Fallback>
+          <p:sp>
+            <p:nvSpPr>
+              <p:cNvPr id="3" name="Content Placeholder 2">
+                <a:extLst>
+                  <a:ext uri="{FF2B5EF4-FFF2-40B4-BE49-F238E27FC236}">
+                    <a16:creationId xmlns:a16="http://schemas.microsoft.com/office/drawing/2014/main" id="{9E54BE08-77FA-4F45-A642-1414DC9A026F}"/>
+                  </a:ext>
+                </a:extLst>
+              </p:cNvPr>
+              <p:cNvSpPr>
+                <a:spLocks noGrp="1" noRot="1" noChangeAspect="1" noMove="1" noResize="1" noEditPoints="1" noAdjustHandles="1" noChangeArrowheads="1" noChangeShapeType="1" noTextEdit="1"/>
+              </p:cNvSpPr>
+              <p:nvPr>
+                <p:ph idx="1"/>
+              </p:nvPr>
+            </p:nvSpPr>
+            <p:spPr>
+              <a:xfrm>
+                <a:off x="1295401" y="681487"/>
+                <a:ext cx="9601196" cy="5194381"/>
+              </a:xfrm>
+              <a:blipFill>
+                <a:blip r:embed="rId2"/>
+                <a:stretch>
+                  <a:fillRect l="-1144" t="-1878"/>
+                </a:stretch>
+              </a:blipFill>
+            </p:spPr>
+            <p:txBody>
+              <a:bodyPr/>
+              <a:lstStyle/>
+              <a:p>
+                <a:r>
+                  <a:rPr lang="en-US">
+                    <a:noFill/>
+                  </a:rPr>
+                  <a:t> </a:t>
+                </a:r>
+              </a:p>
+            </p:txBody>
+          </p:sp>
+        </mc:Fallback>
+      </mc:AlternateContent>
+    </p:spTree>
+    <p:extLst>
+      <p:ext uri="{BB962C8B-B14F-4D97-AF65-F5344CB8AC3E}">
+        <p14:creationId xmlns:p14="http://schemas.microsoft.com/office/powerpoint/2010/main" val="1404798698"/>
+      </p:ext>
+    </p:extLst>
+  </p:cSld>
+  <p:clrMapOvr>
+    <a:masterClrMapping/>
+  </p:clrMapOvr>
+</p:sld>
+</file>
+
+<file path=ppt/slides/slide42.xml><?xml version="1.0" encoding="utf-8"?>
+<p:sld xmlns:a="http://schemas.openxmlformats.org/drawingml/2006/main" xmlns:r="http://schemas.openxmlformats.org/officeDocument/2006/relationships" xmlns:p="http://schemas.openxmlformats.org/presentationml/2006/main">
+  <p:cSld>
+    <p:spTree>
+      <p:nvGrpSpPr>
+        <p:cNvPr id="1" name=""/>
+        <p:cNvGrpSpPr/>
+        <p:nvPr/>
+      </p:nvGrpSpPr>
+      <p:grpSpPr>
+        <a:xfrm>
+          <a:off x="0" y="0"/>
+          <a:ext cx="0" cy="0"/>
+          <a:chOff x="0" y="0"/>
+          <a:chExt cx="0" cy="0"/>
+        </a:xfrm>
+      </p:grpSpPr>
+      <p:sp>
+        <p:nvSpPr>
           <p:cNvPr id="2" name="Title 1">
             <a:extLst>
               <a:ext uri="{FF2B5EF4-FFF2-40B4-BE49-F238E27FC236}">
